--- a/機器學習/線性回歸與決策樹回歸/LR&RFR說明(完整版).pptx
+++ b/機器學習/線性回歸與決策樹回歸/LR&RFR說明(完整版).pptx
@@ -10736,7 +10736,20 @@
                 <a:latin typeface="Times New Roman" panose="02020603050405020304" pitchFamily="18" charset="0"/>
                 <a:cs typeface="Times New Roman" panose="02020603050405020304" pitchFamily="18" charset="0"/>
               </a:rPr>
-              <a:t>House Price Prediction</a:t>
+              <a:t>Diabetes</a:t>
+            </a:r>
+            <a:br>
+              <a:rPr lang="en-US" altLang="zh-TW" dirty="0">
+                <a:latin typeface="Times New Roman" panose="02020603050405020304" pitchFamily="18" charset="0"/>
+                <a:cs typeface="Times New Roman" panose="02020603050405020304" pitchFamily="18" charset="0"/>
+              </a:rPr>
+            </a:br>
+            <a:r>
+              <a:rPr lang="en-US" altLang="zh-TW" dirty="0">
+                <a:latin typeface="Times New Roman" panose="02020603050405020304" pitchFamily="18" charset="0"/>
+                <a:cs typeface="Times New Roman" panose="02020603050405020304" pitchFamily="18" charset="0"/>
+              </a:rPr>
+              <a:t>Prediction</a:t>
             </a:r>
             <a:endParaRPr lang="zh-TW" altLang="en-US" dirty="0">
               <a:latin typeface="Times New Roman" panose="02020603050405020304" pitchFamily="18" charset="0"/>
@@ -17603,6 +17616,15 @@
 </file>
 
 <file path=customXml/item1.xml><?xml version="1.0" encoding="utf-8"?>
+<?mso-contentType ?>
+<FormTemplates xmlns="http://schemas.microsoft.com/sharepoint/v3/contenttype/forms">
+  <Display>DocumentLibraryForm</Display>
+  <Edit>DocumentLibraryForm</Edit>
+  <New>DocumentLibraryForm</New>
+</FormTemplates>
+</file>
+
+<file path=customXml/item2.xml><?xml version="1.0" encoding="utf-8"?>
 <ct:contentTypeSchema xmlns:ct="http://schemas.microsoft.com/office/2006/metadata/contentType" xmlns:ma="http://schemas.microsoft.com/office/2006/metadata/properties/metaAttributes" ct:_="" ma:_="" ma:contentTypeName="Document" ma:contentTypeID="0x01010079F111ED35F8CC479449609E8A0923A6" ma:contentTypeVersion="12" ma:contentTypeDescription="Create a new document." ma:contentTypeScope="" ma:versionID="fa6e671f1cd7e4d96ff9652be322dd5e">
   <xsd:schema xmlns:xsd="http://www.w3.org/2001/XMLSchema" xmlns:xs="http://www.w3.org/2001/XMLSchema" xmlns:p="http://schemas.microsoft.com/office/2006/metadata/properties" xmlns:ns2="71af3243-3dd4-4a8d-8c0d-dd76da1f02a5" xmlns:ns3="16c05727-aa75-4e4a-9b5f-8a80a1165891" targetNamespace="http://schemas.microsoft.com/office/2006/metadata/properties" ma:root="true" ma:fieldsID="4e2496f70b101db0b8013f30a071bbf7" ns2:_="" ns3:_="">
     <xsd:import namespace="71af3243-3dd4-4a8d-8c0d-dd76da1f02a5"/>
@@ -17823,15 +17845,6 @@
 </ct:contentTypeSchema>
 </file>
 
-<file path=customXml/item2.xml><?xml version="1.0" encoding="utf-8"?>
-<?mso-contentType ?>
-<FormTemplates xmlns="http://schemas.microsoft.com/sharepoint/v3/contenttype/forms">
-  <Display>DocumentLibraryForm</Display>
-  <Edit>DocumentLibraryForm</Edit>
-  <New>DocumentLibraryForm</New>
-</FormTemplates>
-</file>
-
 <file path=customXml/item3.xml><?xml version="1.0" encoding="utf-8"?>
 <p:properties xmlns:p="http://schemas.microsoft.com/office/2006/metadata/properties" xmlns:xsi="http://www.w3.org/2001/XMLSchema-instance" xmlns:pc="http://schemas.microsoft.com/office/infopath/2007/PartnerControls">
   <documentManagement>
@@ -17842,6 +17855,14 @@
 </file>
 
 <file path=customXml/itemProps1.xml><?xml version="1.0" encoding="utf-8"?>
+<ds:datastoreItem xmlns:ds="http://schemas.openxmlformats.org/officeDocument/2006/customXml" ds:itemID="{EBB7C387-AFDC-4FE3-A658-984B7F35F155}">
+  <ds:schemaRefs>
+    <ds:schemaRef ds:uri="http://schemas.microsoft.com/sharepoint/v3/contenttype/forms"/>
+  </ds:schemaRefs>
+</ds:datastoreItem>
+</file>
+
+<file path=customXml/itemProps2.xml><?xml version="1.0" encoding="utf-8"?>
 <ds:datastoreItem xmlns:ds="http://schemas.openxmlformats.org/officeDocument/2006/customXml" ds:itemID="{D6766BD6-F648-49AA-B7EC-13E75CECB99A}">
   <ds:schemaRefs>
     <ds:schemaRef ds:uri="http://schemas.microsoft.com/office/2006/metadata/contentType"/>
@@ -17860,14 +17881,6 @@
 </ds:datastoreItem>
 </file>
 
-<file path=customXml/itemProps2.xml><?xml version="1.0" encoding="utf-8"?>
-<ds:datastoreItem xmlns:ds="http://schemas.openxmlformats.org/officeDocument/2006/customXml" ds:itemID="{EBB7C387-AFDC-4FE3-A658-984B7F35F155}">
-  <ds:schemaRefs>
-    <ds:schemaRef ds:uri="http://schemas.microsoft.com/sharepoint/v3/contenttype/forms"/>
-  </ds:schemaRefs>
-</ds:datastoreItem>
-</file>
-
 <file path=customXml/itemProps3.xml><?xml version="1.0" encoding="utf-8"?>
 <ds:datastoreItem xmlns:ds="http://schemas.openxmlformats.org/officeDocument/2006/customXml" ds:itemID="{F4E32C0B-4052-44CB-9341-8AD8B2CC4712}">
   <ds:schemaRefs>
